--- a/ppt 16-9/1385.十个童女.pptx
+++ b/ppt 16-9/1385.十个童女.pptx
@@ -5,7 +5,7 @@
     <p:sldMasterId id="2147483648" r:id="rId1"/>
   </p:sldMasterIdLst>
   <p:sldIdLst>
-    <p:sldId id="954" r:id="rId2"/>
+    <p:sldId id="955" r:id="rId2"/>
   </p:sldIdLst>
   <p:sldSz cx="12192000" cy="6858000"/>
   <p:notesSz cx="6858000" cy="9144000"/>
@@ -129,7 +129,7 @@
           <p:cNvPr id="2" name="标题 1">
             <a:extLst>
               <a:ext uri="{FF2B5EF4-FFF2-40B4-BE49-F238E27FC236}">
-                <a16:creationId xmlns:a16="http://schemas.microsoft.com/office/drawing/2014/main" id="{23E10221-B0C4-FCFE-E3D2-12BC893E3769}"/>
+                <a16:creationId xmlns:a16="http://schemas.microsoft.com/office/drawing/2014/main" id="{B14A700F-A499-5090-76DC-D9AEE965E1CB}"/>
               </a:ext>
             </a:extLst>
           </p:cNvPr>
@@ -166,7 +166,7 @@
           <p:cNvPr id="3" name="副标题 2">
             <a:extLst>
               <a:ext uri="{FF2B5EF4-FFF2-40B4-BE49-F238E27FC236}">
-                <a16:creationId xmlns:a16="http://schemas.microsoft.com/office/drawing/2014/main" id="{91D8A634-4E74-3C12-7853-4EFF8FBED9CA}"/>
+                <a16:creationId xmlns:a16="http://schemas.microsoft.com/office/drawing/2014/main" id="{5599A2D8-76C6-BCCC-8C0B-9933BA756A29}"/>
               </a:ext>
             </a:extLst>
           </p:cNvPr>
@@ -236,7 +236,7 @@
           <p:cNvPr id="4" name="日期占位符 3">
             <a:extLst>
               <a:ext uri="{FF2B5EF4-FFF2-40B4-BE49-F238E27FC236}">
-                <a16:creationId xmlns:a16="http://schemas.microsoft.com/office/drawing/2014/main" id="{6E6E95F2-EF0D-5736-3EF6-19ED35BA8589}"/>
+                <a16:creationId xmlns:a16="http://schemas.microsoft.com/office/drawing/2014/main" id="{0E0C1FF1-60DF-FCAA-B86B-547ADAF6FAEA}"/>
               </a:ext>
             </a:extLst>
           </p:cNvPr>
@@ -252,7 +252,7 @@
           <a:bodyPr/>
           <a:lstStyle/>
           <a:p>
-            <a:fld id="{714794A6-00FE-4521-BABA-9CED11E333CE}" type="datetimeFigureOut">
+            <a:fld id="{495847A8-5AD6-4CB0-B243-842161464D4E}" type="datetimeFigureOut">
               <a:rPr lang="zh-CN" altLang="en-US" smtClean="0"/>
               <a:t>2024/3/10</a:t>
             </a:fld>
@@ -265,7 +265,7 @@
           <p:cNvPr id="5" name="页脚占位符 4">
             <a:extLst>
               <a:ext uri="{FF2B5EF4-FFF2-40B4-BE49-F238E27FC236}">
-                <a16:creationId xmlns:a16="http://schemas.microsoft.com/office/drawing/2014/main" id="{979E951E-FFD8-4609-57CF-2EB26E3AC2AB}"/>
+                <a16:creationId xmlns:a16="http://schemas.microsoft.com/office/drawing/2014/main" id="{61BB4E59-C451-4E1C-5F48-7160A4BE5283}"/>
               </a:ext>
             </a:extLst>
           </p:cNvPr>
@@ -290,7 +290,7 @@
           <p:cNvPr id="6" name="灯片编号占位符 5">
             <a:extLst>
               <a:ext uri="{FF2B5EF4-FFF2-40B4-BE49-F238E27FC236}">
-                <a16:creationId xmlns:a16="http://schemas.microsoft.com/office/drawing/2014/main" id="{7FAA9D8E-4394-6CBF-79D7-70769ACE95E7}"/>
+                <a16:creationId xmlns:a16="http://schemas.microsoft.com/office/drawing/2014/main" id="{F35022A8-3AD9-1686-5D7F-3B347E25814B}"/>
               </a:ext>
             </a:extLst>
           </p:cNvPr>
@@ -306,7 +306,7 @@
           <a:bodyPr/>
           <a:lstStyle/>
           <a:p>
-            <a:fld id="{E7BF282E-83F9-4D39-BB66-7C33E328D325}" type="slidenum">
+            <a:fld id="{79ACC40D-08AE-4C80-8921-AAB0F70BC111}" type="slidenum">
               <a:rPr lang="zh-CN" altLang="en-US" smtClean="0"/>
               <a:t>‹#›</a:t>
             </a:fld>
@@ -317,7 +317,7 @@
     </p:spTree>
     <p:extLst>
       <p:ext uri="{BB962C8B-B14F-4D97-AF65-F5344CB8AC3E}">
-        <p14:creationId xmlns:p14="http://schemas.microsoft.com/office/powerpoint/2010/main" val="1342562487"/>
+        <p14:creationId xmlns:p14="http://schemas.microsoft.com/office/powerpoint/2010/main" val="955307362"/>
       </p:ext>
     </p:extLst>
   </p:cSld>
@@ -349,7 +349,7 @@
           <p:cNvPr id="2" name="标题 1">
             <a:extLst>
               <a:ext uri="{FF2B5EF4-FFF2-40B4-BE49-F238E27FC236}">
-                <a16:creationId xmlns:a16="http://schemas.microsoft.com/office/drawing/2014/main" id="{58CB7655-7C07-B60A-88D5-3CBE5BC33449}"/>
+                <a16:creationId xmlns:a16="http://schemas.microsoft.com/office/drawing/2014/main" id="{CA7232D2-7C06-45E3-8279-FEDEBC4ACA7D}"/>
               </a:ext>
             </a:extLst>
           </p:cNvPr>
@@ -377,7 +377,7 @@
           <p:cNvPr id="3" name="竖排文字占位符 2">
             <a:extLst>
               <a:ext uri="{FF2B5EF4-FFF2-40B4-BE49-F238E27FC236}">
-                <a16:creationId xmlns:a16="http://schemas.microsoft.com/office/drawing/2014/main" id="{7AC32384-9076-78FB-DD49-2C9AAD28296A}"/>
+                <a16:creationId xmlns:a16="http://schemas.microsoft.com/office/drawing/2014/main" id="{1D4923D1-4F5D-D539-3145-678BCB71D447}"/>
               </a:ext>
             </a:extLst>
           </p:cNvPr>
@@ -434,7 +434,7 @@
           <p:cNvPr id="4" name="日期占位符 3">
             <a:extLst>
               <a:ext uri="{FF2B5EF4-FFF2-40B4-BE49-F238E27FC236}">
-                <a16:creationId xmlns:a16="http://schemas.microsoft.com/office/drawing/2014/main" id="{9F94D11A-4BAA-79B5-7882-B11104B5175A}"/>
+                <a16:creationId xmlns:a16="http://schemas.microsoft.com/office/drawing/2014/main" id="{A169046C-E40F-620F-6CB5-F3C45D4818A7}"/>
               </a:ext>
             </a:extLst>
           </p:cNvPr>
@@ -450,7 +450,7 @@
           <a:bodyPr/>
           <a:lstStyle/>
           <a:p>
-            <a:fld id="{714794A6-00FE-4521-BABA-9CED11E333CE}" type="datetimeFigureOut">
+            <a:fld id="{495847A8-5AD6-4CB0-B243-842161464D4E}" type="datetimeFigureOut">
               <a:rPr lang="zh-CN" altLang="en-US" smtClean="0"/>
               <a:t>2024/3/10</a:t>
             </a:fld>
@@ -463,7 +463,7 @@
           <p:cNvPr id="5" name="页脚占位符 4">
             <a:extLst>
               <a:ext uri="{FF2B5EF4-FFF2-40B4-BE49-F238E27FC236}">
-                <a16:creationId xmlns:a16="http://schemas.microsoft.com/office/drawing/2014/main" id="{2272162A-F034-936B-9CA9-5DFD5EEE3D99}"/>
+                <a16:creationId xmlns:a16="http://schemas.microsoft.com/office/drawing/2014/main" id="{2BC06D16-7274-9845-E6B9-05996E427F45}"/>
               </a:ext>
             </a:extLst>
           </p:cNvPr>
@@ -488,7 +488,7 @@
           <p:cNvPr id="6" name="灯片编号占位符 5">
             <a:extLst>
               <a:ext uri="{FF2B5EF4-FFF2-40B4-BE49-F238E27FC236}">
-                <a16:creationId xmlns:a16="http://schemas.microsoft.com/office/drawing/2014/main" id="{2810EA40-3501-A6EE-A0F8-4351CF0AA175}"/>
+                <a16:creationId xmlns:a16="http://schemas.microsoft.com/office/drawing/2014/main" id="{3508B57C-5D2F-B9F5-322A-AB551CD0893B}"/>
               </a:ext>
             </a:extLst>
           </p:cNvPr>
@@ -504,7 +504,7 @@
           <a:bodyPr/>
           <a:lstStyle/>
           <a:p>
-            <a:fld id="{E7BF282E-83F9-4D39-BB66-7C33E328D325}" type="slidenum">
+            <a:fld id="{79ACC40D-08AE-4C80-8921-AAB0F70BC111}" type="slidenum">
               <a:rPr lang="zh-CN" altLang="en-US" smtClean="0"/>
               <a:t>‹#›</a:t>
             </a:fld>
@@ -515,7 +515,7 @@
     </p:spTree>
     <p:extLst>
       <p:ext uri="{BB962C8B-B14F-4D97-AF65-F5344CB8AC3E}">
-        <p14:creationId xmlns:p14="http://schemas.microsoft.com/office/powerpoint/2010/main" val="1853233154"/>
+        <p14:creationId xmlns:p14="http://schemas.microsoft.com/office/powerpoint/2010/main" val="2451461352"/>
       </p:ext>
     </p:extLst>
   </p:cSld>
@@ -547,7 +547,7 @@
           <p:cNvPr id="2" name="竖排标题 1">
             <a:extLst>
               <a:ext uri="{FF2B5EF4-FFF2-40B4-BE49-F238E27FC236}">
-                <a16:creationId xmlns:a16="http://schemas.microsoft.com/office/drawing/2014/main" id="{84B3E26F-B5F4-522D-6D79-7E110BDBAE72}"/>
+                <a16:creationId xmlns:a16="http://schemas.microsoft.com/office/drawing/2014/main" id="{443E7CF8-A301-D1E2-52EF-F724EF51438A}"/>
               </a:ext>
             </a:extLst>
           </p:cNvPr>
@@ -580,7 +580,7 @@
           <p:cNvPr id="3" name="竖排文字占位符 2">
             <a:extLst>
               <a:ext uri="{FF2B5EF4-FFF2-40B4-BE49-F238E27FC236}">
-                <a16:creationId xmlns:a16="http://schemas.microsoft.com/office/drawing/2014/main" id="{412B7C3B-EB8B-DC6B-7170-5288B36F4933}"/>
+                <a16:creationId xmlns:a16="http://schemas.microsoft.com/office/drawing/2014/main" id="{1CC507D5-8786-B7F9-710E-AC9654A18378}"/>
               </a:ext>
             </a:extLst>
           </p:cNvPr>
@@ -642,7 +642,7 @@
           <p:cNvPr id="4" name="日期占位符 3">
             <a:extLst>
               <a:ext uri="{FF2B5EF4-FFF2-40B4-BE49-F238E27FC236}">
-                <a16:creationId xmlns:a16="http://schemas.microsoft.com/office/drawing/2014/main" id="{54EA3CFD-2FB2-95DD-89BF-905B146A2DFE}"/>
+                <a16:creationId xmlns:a16="http://schemas.microsoft.com/office/drawing/2014/main" id="{377F101B-0E5A-DA57-EA56-EF50E05B2D93}"/>
               </a:ext>
             </a:extLst>
           </p:cNvPr>
@@ -658,7 +658,7 @@
           <a:bodyPr/>
           <a:lstStyle/>
           <a:p>
-            <a:fld id="{714794A6-00FE-4521-BABA-9CED11E333CE}" type="datetimeFigureOut">
+            <a:fld id="{495847A8-5AD6-4CB0-B243-842161464D4E}" type="datetimeFigureOut">
               <a:rPr lang="zh-CN" altLang="en-US" smtClean="0"/>
               <a:t>2024/3/10</a:t>
             </a:fld>
@@ -671,7 +671,7 @@
           <p:cNvPr id="5" name="页脚占位符 4">
             <a:extLst>
               <a:ext uri="{FF2B5EF4-FFF2-40B4-BE49-F238E27FC236}">
-                <a16:creationId xmlns:a16="http://schemas.microsoft.com/office/drawing/2014/main" id="{CEFCAAF1-FB94-5B8C-C1F5-DE4DE5929559}"/>
+                <a16:creationId xmlns:a16="http://schemas.microsoft.com/office/drawing/2014/main" id="{7A1B0CE3-85E5-CD95-AB9B-A896715CFE8E}"/>
               </a:ext>
             </a:extLst>
           </p:cNvPr>
@@ -696,7 +696,7 @@
           <p:cNvPr id="6" name="灯片编号占位符 5">
             <a:extLst>
               <a:ext uri="{FF2B5EF4-FFF2-40B4-BE49-F238E27FC236}">
-                <a16:creationId xmlns:a16="http://schemas.microsoft.com/office/drawing/2014/main" id="{FE92DBD6-28BC-55FD-72AE-7B2C1A2BF2A2}"/>
+                <a16:creationId xmlns:a16="http://schemas.microsoft.com/office/drawing/2014/main" id="{3781A31A-C3F3-995C-C94B-084DDD34ED7B}"/>
               </a:ext>
             </a:extLst>
           </p:cNvPr>
@@ -712,7 +712,7 @@
           <a:bodyPr/>
           <a:lstStyle/>
           <a:p>
-            <a:fld id="{E7BF282E-83F9-4D39-BB66-7C33E328D325}" type="slidenum">
+            <a:fld id="{79ACC40D-08AE-4C80-8921-AAB0F70BC111}" type="slidenum">
               <a:rPr lang="zh-CN" altLang="en-US" smtClean="0"/>
               <a:t>‹#›</a:t>
             </a:fld>
@@ -723,7 +723,7 @@
     </p:spTree>
     <p:extLst>
       <p:ext uri="{BB962C8B-B14F-4D97-AF65-F5344CB8AC3E}">
-        <p14:creationId xmlns:p14="http://schemas.microsoft.com/office/powerpoint/2010/main" val="2054215195"/>
+        <p14:creationId xmlns:p14="http://schemas.microsoft.com/office/powerpoint/2010/main" val="112978500"/>
       </p:ext>
     </p:extLst>
   </p:cSld>
@@ -755,7 +755,7 @@
           <p:cNvPr id="2" name="标题 1">
             <a:extLst>
               <a:ext uri="{FF2B5EF4-FFF2-40B4-BE49-F238E27FC236}">
-                <a16:creationId xmlns:a16="http://schemas.microsoft.com/office/drawing/2014/main" id="{B0C4AAFF-AB3D-DA47-E468-C2D562944A29}"/>
+                <a16:creationId xmlns:a16="http://schemas.microsoft.com/office/drawing/2014/main" id="{DE9EEE70-8053-2BDE-62A5-090AD3B2E9D4}"/>
               </a:ext>
             </a:extLst>
           </p:cNvPr>
@@ -783,7 +783,7 @@
           <p:cNvPr id="3" name="内容占位符 2">
             <a:extLst>
               <a:ext uri="{FF2B5EF4-FFF2-40B4-BE49-F238E27FC236}">
-                <a16:creationId xmlns:a16="http://schemas.microsoft.com/office/drawing/2014/main" id="{23C40945-290C-EDDA-0FB1-D3787F711287}"/>
+                <a16:creationId xmlns:a16="http://schemas.microsoft.com/office/drawing/2014/main" id="{FE774ED7-D6C2-3234-5822-EEAC48D42006}"/>
               </a:ext>
             </a:extLst>
           </p:cNvPr>
@@ -840,7 +840,7 @@
           <p:cNvPr id="4" name="日期占位符 3">
             <a:extLst>
               <a:ext uri="{FF2B5EF4-FFF2-40B4-BE49-F238E27FC236}">
-                <a16:creationId xmlns:a16="http://schemas.microsoft.com/office/drawing/2014/main" id="{E7B46EDB-EDB7-1111-CE2B-76F9286E11EE}"/>
+                <a16:creationId xmlns:a16="http://schemas.microsoft.com/office/drawing/2014/main" id="{D9B88A13-40B3-2357-ED46-0ECED3A67C35}"/>
               </a:ext>
             </a:extLst>
           </p:cNvPr>
@@ -856,7 +856,7 @@
           <a:bodyPr/>
           <a:lstStyle/>
           <a:p>
-            <a:fld id="{714794A6-00FE-4521-BABA-9CED11E333CE}" type="datetimeFigureOut">
+            <a:fld id="{495847A8-5AD6-4CB0-B243-842161464D4E}" type="datetimeFigureOut">
               <a:rPr lang="zh-CN" altLang="en-US" smtClean="0"/>
               <a:t>2024/3/10</a:t>
             </a:fld>
@@ -869,7 +869,7 @@
           <p:cNvPr id="5" name="页脚占位符 4">
             <a:extLst>
               <a:ext uri="{FF2B5EF4-FFF2-40B4-BE49-F238E27FC236}">
-                <a16:creationId xmlns:a16="http://schemas.microsoft.com/office/drawing/2014/main" id="{DCA712AE-9213-3446-4F7C-5559B240004C}"/>
+                <a16:creationId xmlns:a16="http://schemas.microsoft.com/office/drawing/2014/main" id="{B60456F1-8351-FF58-96AB-EBB8D2FB68A5}"/>
               </a:ext>
             </a:extLst>
           </p:cNvPr>
@@ -894,7 +894,7 @@
           <p:cNvPr id="6" name="灯片编号占位符 5">
             <a:extLst>
               <a:ext uri="{FF2B5EF4-FFF2-40B4-BE49-F238E27FC236}">
-                <a16:creationId xmlns:a16="http://schemas.microsoft.com/office/drawing/2014/main" id="{9274D135-5D30-8B53-2A82-FF1FDC30F133}"/>
+                <a16:creationId xmlns:a16="http://schemas.microsoft.com/office/drawing/2014/main" id="{12803369-0DDE-D939-ED3A-135435F9424B}"/>
               </a:ext>
             </a:extLst>
           </p:cNvPr>
@@ -910,7 +910,7 @@
           <a:bodyPr/>
           <a:lstStyle/>
           <a:p>
-            <a:fld id="{E7BF282E-83F9-4D39-BB66-7C33E328D325}" type="slidenum">
+            <a:fld id="{79ACC40D-08AE-4C80-8921-AAB0F70BC111}" type="slidenum">
               <a:rPr lang="zh-CN" altLang="en-US" smtClean="0"/>
               <a:t>‹#›</a:t>
             </a:fld>
@@ -921,7 +921,7 @@
     </p:spTree>
     <p:extLst>
       <p:ext uri="{BB962C8B-B14F-4D97-AF65-F5344CB8AC3E}">
-        <p14:creationId xmlns:p14="http://schemas.microsoft.com/office/powerpoint/2010/main" val="3524538645"/>
+        <p14:creationId xmlns:p14="http://schemas.microsoft.com/office/powerpoint/2010/main" val="2252044985"/>
       </p:ext>
     </p:extLst>
   </p:cSld>
@@ -953,7 +953,7 @@
           <p:cNvPr id="2" name="标题 1">
             <a:extLst>
               <a:ext uri="{FF2B5EF4-FFF2-40B4-BE49-F238E27FC236}">
-                <a16:creationId xmlns:a16="http://schemas.microsoft.com/office/drawing/2014/main" id="{C901B5BB-D658-EE68-E9D5-8B9E514E7277}"/>
+                <a16:creationId xmlns:a16="http://schemas.microsoft.com/office/drawing/2014/main" id="{D512A942-96A1-BF07-80D5-7E3DF4764114}"/>
               </a:ext>
             </a:extLst>
           </p:cNvPr>
@@ -990,7 +990,7 @@
           <p:cNvPr id="3" name="文本占位符 2">
             <a:extLst>
               <a:ext uri="{FF2B5EF4-FFF2-40B4-BE49-F238E27FC236}">
-                <a16:creationId xmlns:a16="http://schemas.microsoft.com/office/drawing/2014/main" id="{4ABDFC07-D5EB-B491-E964-A1AE0717F492}"/>
+                <a16:creationId xmlns:a16="http://schemas.microsoft.com/office/drawing/2014/main" id="{AC2CF881-A9C7-EC5F-AE65-57A38DC22868}"/>
               </a:ext>
             </a:extLst>
           </p:cNvPr>
@@ -1115,7 +1115,7 @@
           <p:cNvPr id="4" name="日期占位符 3">
             <a:extLst>
               <a:ext uri="{FF2B5EF4-FFF2-40B4-BE49-F238E27FC236}">
-                <a16:creationId xmlns:a16="http://schemas.microsoft.com/office/drawing/2014/main" id="{D2D7B5F7-8B95-8287-0664-432254F3C950}"/>
+                <a16:creationId xmlns:a16="http://schemas.microsoft.com/office/drawing/2014/main" id="{B722101A-A41B-E2CC-AB9B-4C0F56525C4E}"/>
               </a:ext>
             </a:extLst>
           </p:cNvPr>
@@ -1131,7 +1131,7 @@
           <a:bodyPr/>
           <a:lstStyle/>
           <a:p>
-            <a:fld id="{714794A6-00FE-4521-BABA-9CED11E333CE}" type="datetimeFigureOut">
+            <a:fld id="{495847A8-5AD6-4CB0-B243-842161464D4E}" type="datetimeFigureOut">
               <a:rPr lang="zh-CN" altLang="en-US" smtClean="0"/>
               <a:t>2024/3/10</a:t>
             </a:fld>
@@ -1144,7 +1144,7 @@
           <p:cNvPr id="5" name="页脚占位符 4">
             <a:extLst>
               <a:ext uri="{FF2B5EF4-FFF2-40B4-BE49-F238E27FC236}">
-                <a16:creationId xmlns:a16="http://schemas.microsoft.com/office/drawing/2014/main" id="{1A439BB3-7A75-C828-5532-23BCBB903DDC}"/>
+                <a16:creationId xmlns:a16="http://schemas.microsoft.com/office/drawing/2014/main" id="{72BC8639-A16D-4F63-C859-1A7C8439BE44}"/>
               </a:ext>
             </a:extLst>
           </p:cNvPr>
@@ -1169,7 +1169,7 @@
           <p:cNvPr id="6" name="灯片编号占位符 5">
             <a:extLst>
               <a:ext uri="{FF2B5EF4-FFF2-40B4-BE49-F238E27FC236}">
-                <a16:creationId xmlns:a16="http://schemas.microsoft.com/office/drawing/2014/main" id="{EA37B68E-31D9-0722-4749-B5648853F289}"/>
+                <a16:creationId xmlns:a16="http://schemas.microsoft.com/office/drawing/2014/main" id="{02DBE895-AE33-493B-4521-D28B88F28883}"/>
               </a:ext>
             </a:extLst>
           </p:cNvPr>
@@ -1185,7 +1185,7 @@
           <a:bodyPr/>
           <a:lstStyle/>
           <a:p>
-            <a:fld id="{E7BF282E-83F9-4D39-BB66-7C33E328D325}" type="slidenum">
+            <a:fld id="{79ACC40D-08AE-4C80-8921-AAB0F70BC111}" type="slidenum">
               <a:rPr lang="zh-CN" altLang="en-US" smtClean="0"/>
               <a:t>‹#›</a:t>
             </a:fld>
@@ -1196,7 +1196,7 @@
     </p:spTree>
     <p:extLst>
       <p:ext uri="{BB962C8B-B14F-4D97-AF65-F5344CB8AC3E}">
-        <p14:creationId xmlns:p14="http://schemas.microsoft.com/office/powerpoint/2010/main" val="1321410173"/>
+        <p14:creationId xmlns:p14="http://schemas.microsoft.com/office/powerpoint/2010/main" val="4156042124"/>
       </p:ext>
     </p:extLst>
   </p:cSld>
@@ -1228,7 +1228,7 @@
           <p:cNvPr id="2" name="标题 1">
             <a:extLst>
               <a:ext uri="{FF2B5EF4-FFF2-40B4-BE49-F238E27FC236}">
-                <a16:creationId xmlns:a16="http://schemas.microsoft.com/office/drawing/2014/main" id="{BB4D4160-222D-A7BB-0675-CFB105BCE7F6}"/>
+                <a16:creationId xmlns:a16="http://schemas.microsoft.com/office/drawing/2014/main" id="{ADF6169A-1A14-2E2A-69C1-165CFB0A247F}"/>
               </a:ext>
             </a:extLst>
           </p:cNvPr>
@@ -1256,7 +1256,7 @@
           <p:cNvPr id="3" name="内容占位符 2">
             <a:extLst>
               <a:ext uri="{FF2B5EF4-FFF2-40B4-BE49-F238E27FC236}">
-                <a16:creationId xmlns:a16="http://schemas.microsoft.com/office/drawing/2014/main" id="{82EB0BA3-DB05-EE67-2200-8CD52CBCD4EB}"/>
+                <a16:creationId xmlns:a16="http://schemas.microsoft.com/office/drawing/2014/main" id="{82A36103-3681-E48B-FA53-C7FFCB488B4F}"/>
               </a:ext>
             </a:extLst>
           </p:cNvPr>
@@ -1318,7 +1318,7 @@
           <p:cNvPr id="4" name="内容占位符 3">
             <a:extLst>
               <a:ext uri="{FF2B5EF4-FFF2-40B4-BE49-F238E27FC236}">
-                <a16:creationId xmlns:a16="http://schemas.microsoft.com/office/drawing/2014/main" id="{BAA80759-CDCC-3511-2A83-7B2424091AC5}"/>
+                <a16:creationId xmlns:a16="http://schemas.microsoft.com/office/drawing/2014/main" id="{BF6C5CE1-A799-2AFF-0D72-9E757A24B4A0}"/>
               </a:ext>
             </a:extLst>
           </p:cNvPr>
@@ -1380,7 +1380,7 @@
           <p:cNvPr id="5" name="日期占位符 4">
             <a:extLst>
               <a:ext uri="{FF2B5EF4-FFF2-40B4-BE49-F238E27FC236}">
-                <a16:creationId xmlns:a16="http://schemas.microsoft.com/office/drawing/2014/main" id="{8F226A3A-5849-B8F3-C0B4-64090F9CF3F2}"/>
+                <a16:creationId xmlns:a16="http://schemas.microsoft.com/office/drawing/2014/main" id="{25D45B60-6FE0-A466-0C2B-35313570AB76}"/>
               </a:ext>
             </a:extLst>
           </p:cNvPr>
@@ -1396,7 +1396,7 @@
           <a:bodyPr/>
           <a:lstStyle/>
           <a:p>
-            <a:fld id="{714794A6-00FE-4521-BABA-9CED11E333CE}" type="datetimeFigureOut">
+            <a:fld id="{495847A8-5AD6-4CB0-B243-842161464D4E}" type="datetimeFigureOut">
               <a:rPr lang="zh-CN" altLang="en-US" smtClean="0"/>
               <a:t>2024/3/10</a:t>
             </a:fld>
@@ -1409,7 +1409,7 @@
           <p:cNvPr id="6" name="页脚占位符 5">
             <a:extLst>
               <a:ext uri="{FF2B5EF4-FFF2-40B4-BE49-F238E27FC236}">
-                <a16:creationId xmlns:a16="http://schemas.microsoft.com/office/drawing/2014/main" id="{35D5F9E1-B218-676E-335A-7E3D08D48F93}"/>
+                <a16:creationId xmlns:a16="http://schemas.microsoft.com/office/drawing/2014/main" id="{4481AE58-2FF2-391A-AF6C-CFD98465C72C}"/>
               </a:ext>
             </a:extLst>
           </p:cNvPr>
@@ -1434,7 +1434,7 @@
           <p:cNvPr id="7" name="灯片编号占位符 6">
             <a:extLst>
               <a:ext uri="{FF2B5EF4-FFF2-40B4-BE49-F238E27FC236}">
-                <a16:creationId xmlns:a16="http://schemas.microsoft.com/office/drawing/2014/main" id="{608FC9DA-57B3-9499-7789-8E0FD2265F39}"/>
+                <a16:creationId xmlns:a16="http://schemas.microsoft.com/office/drawing/2014/main" id="{42423C45-1DE0-5002-E6A1-0D299342900E}"/>
               </a:ext>
             </a:extLst>
           </p:cNvPr>
@@ -1450,7 +1450,7 @@
           <a:bodyPr/>
           <a:lstStyle/>
           <a:p>
-            <a:fld id="{E7BF282E-83F9-4D39-BB66-7C33E328D325}" type="slidenum">
+            <a:fld id="{79ACC40D-08AE-4C80-8921-AAB0F70BC111}" type="slidenum">
               <a:rPr lang="zh-CN" altLang="en-US" smtClean="0"/>
               <a:t>‹#›</a:t>
             </a:fld>
@@ -1461,7 +1461,7 @@
     </p:spTree>
     <p:extLst>
       <p:ext uri="{BB962C8B-B14F-4D97-AF65-F5344CB8AC3E}">
-        <p14:creationId xmlns:p14="http://schemas.microsoft.com/office/powerpoint/2010/main" val="1643546703"/>
+        <p14:creationId xmlns:p14="http://schemas.microsoft.com/office/powerpoint/2010/main" val="2756667070"/>
       </p:ext>
     </p:extLst>
   </p:cSld>
@@ -1493,7 +1493,7 @@
           <p:cNvPr id="2" name="标题 1">
             <a:extLst>
               <a:ext uri="{FF2B5EF4-FFF2-40B4-BE49-F238E27FC236}">
-                <a16:creationId xmlns:a16="http://schemas.microsoft.com/office/drawing/2014/main" id="{8AEA1234-CB25-0116-0093-5F6694056F24}"/>
+                <a16:creationId xmlns:a16="http://schemas.microsoft.com/office/drawing/2014/main" id="{8059EC7D-0721-DE20-D3A0-10B0040DF3FC}"/>
               </a:ext>
             </a:extLst>
           </p:cNvPr>
@@ -1526,7 +1526,7 @@
           <p:cNvPr id="3" name="文本占位符 2">
             <a:extLst>
               <a:ext uri="{FF2B5EF4-FFF2-40B4-BE49-F238E27FC236}">
-                <a16:creationId xmlns:a16="http://schemas.microsoft.com/office/drawing/2014/main" id="{EFDFBA81-7C97-7699-D476-32632D3BC7AA}"/>
+                <a16:creationId xmlns:a16="http://schemas.microsoft.com/office/drawing/2014/main" id="{2F3D7309-5D0F-8C2C-3006-601429E9318D}"/>
               </a:ext>
             </a:extLst>
           </p:cNvPr>
@@ -1597,7 +1597,7 @@
           <p:cNvPr id="4" name="内容占位符 3">
             <a:extLst>
               <a:ext uri="{FF2B5EF4-FFF2-40B4-BE49-F238E27FC236}">
-                <a16:creationId xmlns:a16="http://schemas.microsoft.com/office/drawing/2014/main" id="{E1759BCB-635C-D7FF-3A33-26F2715D3D01}"/>
+                <a16:creationId xmlns:a16="http://schemas.microsoft.com/office/drawing/2014/main" id="{7209AF6B-95A8-F477-3E78-BE8C0F933E6E}"/>
               </a:ext>
             </a:extLst>
           </p:cNvPr>
@@ -1659,7 +1659,7 @@
           <p:cNvPr id="5" name="文本占位符 4">
             <a:extLst>
               <a:ext uri="{FF2B5EF4-FFF2-40B4-BE49-F238E27FC236}">
-                <a16:creationId xmlns:a16="http://schemas.microsoft.com/office/drawing/2014/main" id="{07442052-2C23-2BBE-68AD-2BF7B0C0E9AD}"/>
+                <a16:creationId xmlns:a16="http://schemas.microsoft.com/office/drawing/2014/main" id="{1B737CFD-4CFC-2909-3B50-DD7970E42033}"/>
               </a:ext>
             </a:extLst>
           </p:cNvPr>
@@ -1730,7 +1730,7 @@
           <p:cNvPr id="6" name="内容占位符 5">
             <a:extLst>
               <a:ext uri="{FF2B5EF4-FFF2-40B4-BE49-F238E27FC236}">
-                <a16:creationId xmlns:a16="http://schemas.microsoft.com/office/drawing/2014/main" id="{11EBD896-4F9D-6215-14C8-ABB61682D416}"/>
+                <a16:creationId xmlns:a16="http://schemas.microsoft.com/office/drawing/2014/main" id="{3EAC6591-00FC-8C94-A8CA-40ED3B2F6A15}"/>
               </a:ext>
             </a:extLst>
           </p:cNvPr>
@@ -1792,7 +1792,7 @@
           <p:cNvPr id="7" name="日期占位符 6">
             <a:extLst>
               <a:ext uri="{FF2B5EF4-FFF2-40B4-BE49-F238E27FC236}">
-                <a16:creationId xmlns:a16="http://schemas.microsoft.com/office/drawing/2014/main" id="{C5E9A7A8-A028-3474-C932-9CE36C685C7C}"/>
+                <a16:creationId xmlns:a16="http://schemas.microsoft.com/office/drawing/2014/main" id="{0D57174B-BCB4-739A-5851-0765FE22893F}"/>
               </a:ext>
             </a:extLst>
           </p:cNvPr>
@@ -1808,7 +1808,7 @@
           <a:bodyPr/>
           <a:lstStyle/>
           <a:p>
-            <a:fld id="{714794A6-00FE-4521-BABA-9CED11E333CE}" type="datetimeFigureOut">
+            <a:fld id="{495847A8-5AD6-4CB0-B243-842161464D4E}" type="datetimeFigureOut">
               <a:rPr lang="zh-CN" altLang="en-US" smtClean="0"/>
               <a:t>2024/3/10</a:t>
             </a:fld>
@@ -1821,7 +1821,7 @@
           <p:cNvPr id="8" name="页脚占位符 7">
             <a:extLst>
               <a:ext uri="{FF2B5EF4-FFF2-40B4-BE49-F238E27FC236}">
-                <a16:creationId xmlns:a16="http://schemas.microsoft.com/office/drawing/2014/main" id="{E0A08828-3E4C-6BF9-11F8-F90409C035EA}"/>
+                <a16:creationId xmlns:a16="http://schemas.microsoft.com/office/drawing/2014/main" id="{825CA605-00AC-31F7-44D2-915D026BEA6A}"/>
               </a:ext>
             </a:extLst>
           </p:cNvPr>
@@ -1846,7 +1846,7 @@
           <p:cNvPr id="9" name="灯片编号占位符 8">
             <a:extLst>
               <a:ext uri="{FF2B5EF4-FFF2-40B4-BE49-F238E27FC236}">
-                <a16:creationId xmlns:a16="http://schemas.microsoft.com/office/drawing/2014/main" id="{A04F39D7-C490-CD69-C158-E3F5B57C57E0}"/>
+                <a16:creationId xmlns:a16="http://schemas.microsoft.com/office/drawing/2014/main" id="{59456EC6-08E8-4008-3469-491667B86E6F}"/>
               </a:ext>
             </a:extLst>
           </p:cNvPr>
@@ -1862,7 +1862,7 @@
           <a:bodyPr/>
           <a:lstStyle/>
           <a:p>
-            <a:fld id="{E7BF282E-83F9-4D39-BB66-7C33E328D325}" type="slidenum">
+            <a:fld id="{79ACC40D-08AE-4C80-8921-AAB0F70BC111}" type="slidenum">
               <a:rPr lang="zh-CN" altLang="en-US" smtClean="0"/>
               <a:t>‹#›</a:t>
             </a:fld>
@@ -1873,7 +1873,7 @@
     </p:spTree>
     <p:extLst>
       <p:ext uri="{BB962C8B-B14F-4D97-AF65-F5344CB8AC3E}">
-        <p14:creationId xmlns:p14="http://schemas.microsoft.com/office/powerpoint/2010/main" val="3740387524"/>
+        <p14:creationId xmlns:p14="http://schemas.microsoft.com/office/powerpoint/2010/main" val="2112830913"/>
       </p:ext>
     </p:extLst>
   </p:cSld>
@@ -1905,7 +1905,7 @@
           <p:cNvPr id="2" name="标题 1">
             <a:extLst>
               <a:ext uri="{FF2B5EF4-FFF2-40B4-BE49-F238E27FC236}">
-                <a16:creationId xmlns:a16="http://schemas.microsoft.com/office/drawing/2014/main" id="{BAD211B2-9E8F-6093-23EA-A5E117CA3477}"/>
+                <a16:creationId xmlns:a16="http://schemas.microsoft.com/office/drawing/2014/main" id="{E6AC86EC-6A51-453C-86CC-65A4441EF17D}"/>
               </a:ext>
             </a:extLst>
           </p:cNvPr>
@@ -1933,7 +1933,7 @@
           <p:cNvPr id="3" name="日期占位符 2">
             <a:extLst>
               <a:ext uri="{FF2B5EF4-FFF2-40B4-BE49-F238E27FC236}">
-                <a16:creationId xmlns:a16="http://schemas.microsoft.com/office/drawing/2014/main" id="{C922A559-87AD-8CD9-39C4-64570B2354AC}"/>
+                <a16:creationId xmlns:a16="http://schemas.microsoft.com/office/drawing/2014/main" id="{BA5FF85A-809D-1B90-6024-83FA600C39E4}"/>
               </a:ext>
             </a:extLst>
           </p:cNvPr>
@@ -1949,7 +1949,7 @@
           <a:bodyPr/>
           <a:lstStyle/>
           <a:p>
-            <a:fld id="{714794A6-00FE-4521-BABA-9CED11E333CE}" type="datetimeFigureOut">
+            <a:fld id="{495847A8-5AD6-4CB0-B243-842161464D4E}" type="datetimeFigureOut">
               <a:rPr lang="zh-CN" altLang="en-US" smtClean="0"/>
               <a:t>2024/3/10</a:t>
             </a:fld>
@@ -1962,7 +1962,7 @@
           <p:cNvPr id="4" name="页脚占位符 3">
             <a:extLst>
               <a:ext uri="{FF2B5EF4-FFF2-40B4-BE49-F238E27FC236}">
-                <a16:creationId xmlns:a16="http://schemas.microsoft.com/office/drawing/2014/main" id="{C6A6AA5D-D909-986F-A27A-7DCAABCA4DA6}"/>
+                <a16:creationId xmlns:a16="http://schemas.microsoft.com/office/drawing/2014/main" id="{916F61FA-945C-C59F-5F8F-C490AAED18AC}"/>
               </a:ext>
             </a:extLst>
           </p:cNvPr>
@@ -1987,7 +1987,7 @@
           <p:cNvPr id="5" name="灯片编号占位符 4">
             <a:extLst>
               <a:ext uri="{FF2B5EF4-FFF2-40B4-BE49-F238E27FC236}">
-                <a16:creationId xmlns:a16="http://schemas.microsoft.com/office/drawing/2014/main" id="{9F16354F-D155-19E2-6F54-0DB8838F85CC}"/>
+                <a16:creationId xmlns:a16="http://schemas.microsoft.com/office/drawing/2014/main" id="{A5028FCF-9EEC-12CE-AAF5-C54EA88795C7}"/>
               </a:ext>
             </a:extLst>
           </p:cNvPr>
@@ -2003,7 +2003,7 @@
           <a:bodyPr/>
           <a:lstStyle/>
           <a:p>
-            <a:fld id="{E7BF282E-83F9-4D39-BB66-7C33E328D325}" type="slidenum">
+            <a:fld id="{79ACC40D-08AE-4C80-8921-AAB0F70BC111}" type="slidenum">
               <a:rPr lang="zh-CN" altLang="en-US" smtClean="0"/>
               <a:t>‹#›</a:t>
             </a:fld>
@@ -2014,7 +2014,7 @@
     </p:spTree>
     <p:extLst>
       <p:ext uri="{BB962C8B-B14F-4D97-AF65-F5344CB8AC3E}">
-        <p14:creationId xmlns:p14="http://schemas.microsoft.com/office/powerpoint/2010/main" val="258212933"/>
+        <p14:creationId xmlns:p14="http://schemas.microsoft.com/office/powerpoint/2010/main" val="737429296"/>
       </p:ext>
     </p:extLst>
   </p:cSld>
@@ -2046,7 +2046,7 @@
           <p:cNvPr id="2" name="日期占位符 1">
             <a:extLst>
               <a:ext uri="{FF2B5EF4-FFF2-40B4-BE49-F238E27FC236}">
-                <a16:creationId xmlns:a16="http://schemas.microsoft.com/office/drawing/2014/main" id="{BF2BF89E-A92F-881D-7843-16F2C0D46A05}"/>
+                <a16:creationId xmlns:a16="http://schemas.microsoft.com/office/drawing/2014/main" id="{2901C4B5-1F7C-92E9-26BF-18C863FBC15E}"/>
               </a:ext>
             </a:extLst>
           </p:cNvPr>
@@ -2062,7 +2062,7 @@
           <a:bodyPr/>
           <a:lstStyle/>
           <a:p>
-            <a:fld id="{714794A6-00FE-4521-BABA-9CED11E333CE}" type="datetimeFigureOut">
+            <a:fld id="{495847A8-5AD6-4CB0-B243-842161464D4E}" type="datetimeFigureOut">
               <a:rPr lang="zh-CN" altLang="en-US" smtClean="0"/>
               <a:t>2024/3/10</a:t>
             </a:fld>
@@ -2075,7 +2075,7 @@
           <p:cNvPr id="3" name="页脚占位符 2">
             <a:extLst>
               <a:ext uri="{FF2B5EF4-FFF2-40B4-BE49-F238E27FC236}">
-                <a16:creationId xmlns:a16="http://schemas.microsoft.com/office/drawing/2014/main" id="{315F277A-E99B-037A-DAFC-CD7E28EA5FE9}"/>
+                <a16:creationId xmlns:a16="http://schemas.microsoft.com/office/drawing/2014/main" id="{C8F14E3F-995E-81D7-ADBB-654E7F3EFA4B}"/>
               </a:ext>
             </a:extLst>
           </p:cNvPr>
@@ -2100,7 +2100,7 @@
           <p:cNvPr id="4" name="灯片编号占位符 3">
             <a:extLst>
               <a:ext uri="{FF2B5EF4-FFF2-40B4-BE49-F238E27FC236}">
-                <a16:creationId xmlns:a16="http://schemas.microsoft.com/office/drawing/2014/main" id="{A44415F6-A91F-594A-1C02-AC9B928CF43C}"/>
+                <a16:creationId xmlns:a16="http://schemas.microsoft.com/office/drawing/2014/main" id="{F2803C01-2AE0-788A-8F67-75984D966F58}"/>
               </a:ext>
             </a:extLst>
           </p:cNvPr>
@@ -2116,7 +2116,7 @@
           <a:bodyPr/>
           <a:lstStyle/>
           <a:p>
-            <a:fld id="{E7BF282E-83F9-4D39-BB66-7C33E328D325}" type="slidenum">
+            <a:fld id="{79ACC40D-08AE-4C80-8921-AAB0F70BC111}" type="slidenum">
               <a:rPr lang="zh-CN" altLang="en-US" smtClean="0"/>
               <a:t>‹#›</a:t>
             </a:fld>
@@ -2127,7 +2127,7 @@
     </p:spTree>
     <p:extLst>
       <p:ext uri="{BB962C8B-B14F-4D97-AF65-F5344CB8AC3E}">
-        <p14:creationId xmlns:p14="http://schemas.microsoft.com/office/powerpoint/2010/main" val="3071595883"/>
+        <p14:creationId xmlns:p14="http://schemas.microsoft.com/office/powerpoint/2010/main" val="631841073"/>
       </p:ext>
     </p:extLst>
   </p:cSld>
@@ -2159,7 +2159,7 @@
           <p:cNvPr id="2" name="标题 1">
             <a:extLst>
               <a:ext uri="{FF2B5EF4-FFF2-40B4-BE49-F238E27FC236}">
-                <a16:creationId xmlns:a16="http://schemas.microsoft.com/office/drawing/2014/main" id="{C797441A-ADFA-30E2-70AE-7E3294123042}"/>
+                <a16:creationId xmlns:a16="http://schemas.microsoft.com/office/drawing/2014/main" id="{08777AB6-9F25-AF2D-C8AD-2D9566C3B2EE}"/>
               </a:ext>
             </a:extLst>
           </p:cNvPr>
@@ -2196,7 +2196,7 @@
           <p:cNvPr id="3" name="内容占位符 2">
             <a:extLst>
               <a:ext uri="{FF2B5EF4-FFF2-40B4-BE49-F238E27FC236}">
-                <a16:creationId xmlns:a16="http://schemas.microsoft.com/office/drawing/2014/main" id="{D9CBC0DE-7FE7-3813-F53F-FD7FF0A3E9B4}"/>
+                <a16:creationId xmlns:a16="http://schemas.microsoft.com/office/drawing/2014/main" id="{CB21E104-5F8B-ADBF-031A-DC0AB6E22C9F}"/>
               </a:ext>
             </a:extLst>
           </p:cNvPr>
@@ -2286,7 +2286,7 @@
           <p:cNvPr id="4" name="文本占位符 3">
             <a:extLst>
               <a:ext uri="{FF2B5EF4-FFF2-40B4-BE49-F238E27FC236}">
-                <a16:creationId xmlns:a16="http://schemas.microsoft.com/office/drawing/2014/main" id="{237B7699-478A-9C25-167B-FAB9771C3337}"/>
+                <a16:creationId xmlns:a16="http://schemas.microsoft.com/office/drawing/2014/main" id="{E58C9C74-E8CE-B46A-06AA-02CD177FCAC9}"/>
               </a:ext>
             </a:extLst>
           </p:cNvPr>
@@ -2357,7 +2357,7 @@
           <p:cNvPr id="5" name="日期占位符 4">
             <a:extLst>
               <a:ext uri="{FF2B5EF4-FFF2-40B4-BE49-F238E27FC236}">
-                <a16:creationId xmlns:a16="http://schemas.microsoft.com/office/drawing/2014/main" id="{139E646C-43B1-B01D-A0BD-DF7C1A2693C9}"/>
+                <a16:creationId xmlns:a16="http://schemas.microsoft.com/office/drawing/2014/main" id="{134FD1CC-CA6D-CAF1-80D2-195D9FEF76E1}"/>
               </a:ext>
             </a:extLst>
           </p:cNvPr>
@@ -2373,7 +2373,7 @@
           <a:bodyPr/>
           <a:lstStyle/>
           <a:p>
-            <a:fld id="{714794A6-00FE-4521-BABA-9CED11E333CE}" type="datetimeFigureOut">
+            <a:fld id="{495847A8-5AD6-4CB0-B243-842161464D4E}" type="datetimeFigureOut">
               <a:rPr lang="zh-CN" altLang="en-US" smtClean="0"/>
               <a:t>2024/3/10</a:t>
             </a:fld>
@@ -2386,7 +2386,7 @@
           <p:cNvPr id="6" name="页脚占位符 5">
             <a:extLst>
               <a:ext uri="{FF2B5EF4-FFF2-40B4-BE49-F238E27FC236}">
-                <a16:creationId xmlns:a16="http://schemas.microsoft.com/office/drawing/2014/main" id="{80421696-2D53-C02E-C5F4-C93C14A4E8DE}"/>
+                <a16:creationId xmlns:a16="http://schemas.microsoft.com/office/drawing/2014/main" id="{94A5EB79-3AF9-A175-B02E-0FB187C9147A}"/>
               </a:ext>
             </a:extLst>
           </p:cNvPr>
@@ -2411,7 +2411,7 @@
           <p:cNvPr id="7" name="灯片编号占位符 6">
             <a:extLst>
               <a:ext uri="{FF2B5EF4-FFF2-40B4-BE49-F238E27FC236}">
-                <a16:creationId xmlns:a16="http://schemas.microsoft.com/office/drawing/2014/main" id="{1E87A3EE-274E-1E22-161B-0372B9322BAF}"/>
+                <a16:creationId xmlns:a16="http://schemas.microsoft.com/office/drawing/2014/main" id="{CA54878D-865C-56E0-4814-FF11284F389D}"/>
               </a:ext>
             </a:extLst>
           </p:cNvPr>
@@ -2427,7 +2427,7 @@
           <a:bodyPr/>
           <a:lstStyle/>
           <a:p>
-            <a:fld id="{E7BF282E-83F9-4D39-BB66-7C33E328D325}" type="slidenum">
+            <a:fld id="{79ACC40D-08AE-4C80-8921-AAB0F70BC111}" type="slidenum">
               <a:rPr lang="zh-CN" altLang="en-US" smtClean="0"/>
               <a:t>‹#›</a:t>
             </a:fld>
@@ -2438,7 +2438,7 @@
     </p:spTree>
     <p:extLst>
       <p:ext uri="{BB962C8B-B14F-4D97-AF65-F5344CB8AC3E}">
-        <p14:creationId xmlns:p14="http://schemas.microsoft.com/office/powerpoint/2010/main" val="1191532528"/>
+        <p14:creationId xmlns:p14="http://schemas.microsoft.com/office/powerpoint/2010/main" val="1201694574"/>
       </p:ext>
     </p:extLst>
   </p:cSld>
@@ -2470,7 +2470,7 @@
           <p:cNvPr id="2" name="标题 1">
             <a:extLst>
               <a:ext uri="{FF2B5EF4-FFF2-40B4-BE49-F238E27FC236}">
-                <a16:creationId xmlns:a16="http://schemas.microsoft.com/office/drawing/2014/main" id="{C4759DBD-2F6D-5C24-6C64-E9012EBC0A6D}"/>
+                <a16:creationId xmlns:a16="http://schemas.microsoft.com/office/drawing/2014/main" id="{A1A35181-D111-A4FA-5195-A9626AD04301}"/>
               </a:ext>
             </a:extLst>
           </p:cNvPr>
@@ -2507,7 +2507,7 @@
           <p:cNvPr id="3" name="图片占位符 2">
             <a:extLst>
               <a:ext uri="{FF2B5EF4-FFF2-40B4-BE49-F238E27FC236}">
-                <a16:creationId xmlns:a16="http://schemas.microsoft.com/office/drawing/2014/main" id="{E81B7FA0-851C-58E7-789D-361986B4C215}"/>
+                <a16:creationId xmlns:a16="http://schemas.microsoft.com/office/drawing/2014/main" id="{9B1602B2-C829-9B25-6040-44ED90BCF93B}"/>
               </a:ext>
             </a:extLst>
           </p:cNvPr>
@@ -2574,7 +2574,7 @@
           <p:cNvPr id="4" name="文本占位符 3">
             <a:extLst>
               <a:ext uri="{FF2B5EF4-FFF2-40B4-BE49-F238E27FC236}">
-                <a16:creationId xmlns:a16="http://schemas.microsoft.com/office/drawing/2014/main" id="{EFA32CD3-8F3C-4FDE-C1AD-CDB4B5F3C6DA}"/>
+                <a16:creationId xmlns:a16="http://schemas.microsoft.com/office/drawing/2014/main" id="{2441F481-0E72-EE7E-1028-39FAA317D729}"/>
               </a:ext>
             </a:extLst>
           </p:cNvPr>
@@ -2645,7 +2645,7 @@
           <p:cNvPr id="5" name="日期占位符 4">
             <a:extLst>
               <a:ext uri="{FF2B5EF4-FFF2-40B4-BE49-F238E27FC236}">
-                <a16:creationId xmlns:a16="http://schemas.microsoft.com/office/drawing/2014/main" id="{B2E162C0-A90F-B2D1-6CF1-C404D9EFF3C1}"/>
+                <a16:creationId xmlns:a16="http://schemas.microsoft.com/office/drawing/2014/main" id="{F6E96E3E-72C4-CC79-0D33-04446EF8E26E}"/>
               </a:ext>
             </a:extLst>
           </p:cNvPr>
@@ -2661,7 +2661,7 @@
           <a:bodyPr/>
           <a:lstStyle/>
           <a:p>
-            <a:fld id="{714794A6-00FE-4521-BABA-9CED11E333CE}" type="datetimeFigureOut">
+            <a:fld id="{495847A8-5AD6-4CB0-B243-842161464D4E}" type="datetimeFigureOut">
               <a:rPr lang="zh-CN" altLang="en-US" smtClean="0"/>
               <a:t>2024/3/10</a:t>
             </a:fld>
@@ -2674,7 +2674,7 @@
           <p:cNvPr id="6" name="页脚占位符 5">
             <a:extLst>
               <a:ext uri="{FF2B5EF4-FFF2-40B4-BE49-F238E27FC236}">
-                <a16:creationId xmlns:a16="http://schemas.microsoft.com/office/drawing/2014/main" id="{228E2FB0-F802-EF49-3DB2-4DF8742610F4}"/>
+                <a16:creationId xmlns:a16="http://schemas.microsoft.com/office/drawing/2014/main" id="{4C9AC0B7-C679-FA4C-5044-4582FAAFDBBA}"/>
               </a:ext>
             </a:extLst>
           </p:cNvPr>
@@ -2699,7 +2699,7 @@
           <p:cNvPr id="7" name="灯片编号占位符 6">
             <a:extLst>
               <a:ext uri="{FF2B5EF4-FFF2-40B4-BE49-F238E27FC236}">
-                <a16:creationId xmlns:a16="http://schemas.microsoft.com/office/drawing/2014/main" id="{81DBB4F2-FCEE-BCC5-EDB1-7C9A5BF1D90C}"/>
+                <a16:creationId xmlns:a16="http://schemas.microsoft.com/office/drawing/2014/main" id="{8D37DFC6-1FA4-F21E-847D-2E1853A327FB}"/>
               </a:ext>
             </a:extLst>
           </p:cNvPr>
@@ -2715,7 +2715,7 @@
           <a:bodyPr/>
           <a:lstStyle/>
           <a:p>
-            <a:fld id="{E7BF282E-83F9-4D39-BB66-7C33E328D325}" type="slidenum">
+            <a:fld id="{79ACC40D-08AE-4C80-8921-AAB0F70BC111}" type="slidenum">
               <a:rPr lang="zh-CN" altLang="en-US" smtClean="0"/>
               <a:t>‹#›</a:t>
             </a:fld>
@@ -2726,7 +2726,7 @@
     </p:spTree>
     <p:extLst>
       <p:ext uri="{BB962C8B-B14F-4D97-AF65-F5344CB8AC3E}">
-        <p14:creationId xmlns:p14="http://schemas.microsoft.com/office/powerpoint/2010/main" val="3541496603"/>
+        <p14:creationId xmlns:p14="http://schemas.microsoft.com/office/powerpoint/2010/main" val="335266671"/>
       </p:ext>
     </p:extLst>
   </p:cSld>
@@ -2763,7 +2763,7 @@
           <p:cNvPr id="2" name="标题占位符 1">
             <a:extLst>
               <a:ext uri="{FF2B5EF4-FFF2-40B4-BE49-F238E27FC236}">
-                <a16:creationId xmlns:a16="http://schemas.microsoft.com/office/drawing/2014/main" id="{D0761B89-BBB3-D7F6-822D-360C7AC1B0F9}"/>
+                <a16:creationId xmlns:a16="http://schemas.microsoft.com/office/drawing/2014/main" id="{DC2E8D8B-8EF5-4AD2-04E6-65A608CA0924}"/>
               </a:ext>
             </a:extLst>
           </p:cNvPr>
@@ -2801,7 +2801,7 @@
           <p:cNvPr id="3" name="文本占位符 2">
             <a:extLst>
               <a:ext uri="{FF2B5EF4-FFF2-40B4-BE49-F238E27FC236}">
-                <a16:creationId xmlns:a16="http://schemas.microsoft.com/office/drawing/2014/main" id="{5F2B1E7D-808E-F631-A929-D06DD569E2CA}"/>
+                <a16:creationId xmlns:a16="http://schemas.microsoft.com/office/drawing/2014/main" id="{6842C46C-CE2A-64B6-C6A8-DBE5D926B0AE}"/>
               </a:ext>
             </a:extLst>
           </p:cNvPr>
@@ -2868,7 +2868,7 @@
           <p:cNvPr id="4" name="日期占位符 3">
             <a:extLst>
               <a:ext uri="{FF2B5EF4-FFF2-40B4-BE49-F238E27FC236}">
-                <a16:creationId xmlns:a16="http://schemas.microsoft.com/office/drawing/2014/main" id="{604C296C-FF29-0C1D-38E2-F8CBFA1C850B}"/>
+                <a16:creationId xmlns:a16="http://schemas.microsoft.com/office/drawing/2014/main" id="{D42D933B-C7B7-E7B8-679E-CC37AFEC8391}"/>
               </a:ext>
             </a:extLst>
           </p:cNvPr>
@@ -2902,7 +2902,7 @@
             </a:lvl1pPr>
           </a:lstStyle>
           <a:p>
-            <a:fld id="{714794A6-00FE-4521-BABA-9CED11E333CE}" type="datetimeFigureOut">
+            <a:fld id="{495847A8-5AD6-4CB0-B243-842161464D4E}" type="datetimeFigureOut">
               <a:rPr lang="zh-CN" altLang="en-US" smtClean="0"/>
               <a:t>2024/3/10</a:t>
             </a:fld>
@@ -2915,7 +2915,7 @@
           <p:cNvPr id="5" name="页脚占位符 4">
             <a:extLst>
               <a:ext uri="{FF2B5EF4-FFF2-40B4-BE49-F238E27FC236}">
-                <a16:creationId xmlns:a16="http://schemas.microsoft.com/office/drawing/2014/main" id="{51E220D9-7592-15C4-0D2C-5241BA886833}"/>
+                <a16:creationId xmlns:a16="http://schemas.microsoft.com/office/drawing/2014/main" id="{6A2D7D72-6DF5-39DA-6E3B-4891AF0B9BBA}"/>
               </a:ext>
             </a:extLst>
           </p:cNvPr>
@@ -2958,7 +2958,7 @@
           <p:cNvPr id="6" name="灯片编号占位符 5">
             <a:extLst>
               <a:ext uri="{FF2B5EF4-FFF2-40B4-BE49-F238E27FC236}">
-                <a16:creationId xmlns:a16="http://schemas.microsoft.com/office/drawing/2014/main" id="{DF893690-C73F-A6A9-62FE-771F52CEF172}"/>
+                <a16:creationId xmlns:a16="http://schemas.microsoft.com/office/drawing/2014/main" id="{C9552887-3CF7-1CF7-EBBA-2A43D71FB51D}"/>
               </a:ext>
             </a:extLst>
           </p:cNvPr>
@@ -2992,7 +2992,7 @@
             </a:lvl1pPr>
           </a:lstStyle>
           <a:p>
-            <a:fld id="{E7BF282E-83F9-4D39-BB66-7C33E328D325}" type="slidenum">
+            <a:fld id="{79ACC40D-08AE-4C80-8921-AAB0F70BC111}" type="slidenum">
               <a:rPr lang="zh-CN" altLang="en-US" smtClean="0"/>
               <a:t>‹#›</a:t>
             </a:fld>
@@ -3003,7 +3003,7 @@
     </p:spTree>
     <p:extLst>
       <p:ext uri="{BB962C8B-B14F-4D97-AF65-F5344CB8AC3E}">
-        <p14:creationId xmlns:p14="http://schemas.microsoft.com/office/powerpoint/2010/main" val="2796052027"/>
+        <p14:creationId xmlns:p14="http://schemas.microsoft.com/office/powerpoint/2010/main" val="2880325897"/>
       </p:ext>
     </p:extLst>
   </p:cSld>
@@ -3323,7 +3323,7 @@
       </p:grpSpPr>
       <p:pic>
         <p:nvPicPr>
-          <p:cNvPr id="1418242" name="Picture 2" descr="1384"/>
+          <p:cNvPr id="1419266" name="Picture 2" descr="1385"/>
           <p:cNvPicPr>
             <a:picLocks noChangeAspect="1" noChangeArrowheads="1"/>
           </p:cNvPicPr>
@@ -3344,8 +3344,8 @@
         </p:blipFill>
         <p:spPr bwMode="auto">
           <a:xfrm>
-            <a:off x="1524000" y="1"/>
-            <a:ext cx="9144000" cy="4149725"/>
+            <a:off x="1524000" y="0"/>
+            <a:ext cx="9144000" cy="6858000"/>
           </a:xfrm>
           <a:prstGeom prst="rect">
             <a:avLst/>
@@ -3375,11 +3375,158 @@
           </a:extLst>
         </p:spPr>
       </p:pic>
+      <p:pic>
+        <p:nvPicPr>
+          <p:cNvPr id="1420291" name="Picture 3" descr="1385-2"/>
+          <p:cNvPicPr>
+            <a:picLocks noChangeAspect="1" noChangeArrowheads="1"/>
+          </p:cNvPicPr>
+          <p:nvPr/>
+        </p:nvPicPr>
+        <p:blipFill>
+          <a:blip r:embed="rId3">
+            <a:extLst>
+              <a:ext uri="{28A0092B-C50C-407E-A947-70E740481C1C}">
+                <a14:useLocalDpi xmlns:a14="http://schemas.microsoft.com/office/drawing/2010/main" val="0"/>
+              </a:ext>
+            </a:extLst>
+          </a:blip>
+          <a:srcRect/>
+          <a:stretch>
+            <a:fillRect/>
+          </a:stretch>
+        </p:blipFill>
+        <p:spPr bwMode="auto">
+          <a:xfrm>
+            <a:off x="1524000" y="-14288"/>
+            <a:ext cx="9144000" cy="6872288"/>
+          </a:xfrm>
+          <a:prstGeom prst="rect">
+            <a:avLst/>
+          </a:prstGeom>
+          <a:noFill/>
+          <a:ln>
+            <a:noFill/>
+          </a:ln>
+          <a:effectLst/>
+          <a:extLst>
+            <a:ext uri="{909E8E84-426E-40DD-AFC4-6F175D3DCCD1}">
+              <a14:hiddenFill xmlns:a14="http://schemas.microsoft.com/office/drawing/2010/main">
+                <a:solidFill>
+                  <a:srgbClr val="FFFFFF"/>
+                </a:solidFill>
+              </a14:hiddenFill>
+            </a:ext>
+            <a:ext uri="{91240B29-F687-4F45-9708-019B960494DF}">
+              <a14:hiddenLine xmlns:a14="http://schemas.microsoft.com/office/drawing/2010/main" w="9525">
+                <a:solidFill>
+                  <a:srgbClr val="000000"/>
+                </a:solidFill>
+                <a:miter lim="800000"/>
+                <a:headEnd/>
+                <a:tailEnd/>
+              </a14:hiddenLine>
+            </a:ext>
+            <a:ext uri="{AF507438-7753-43E0-B8FC-AC1667EBCBE1}">
+              <a14:hiddenEffects xmlns:a14="http://schemas.microsoft.com/office/drawing/2010/main">
+                <a:effectLst>
+                  <a:outerShdw dist="35921" dir="2700000" algn="ctr" rotWithShape="0">
+                    <a:srgbClr val="808080"/>
+                  </a:outerShdw>
+                </a:effectLst>
+              </a14:hiddenEffects>
+            </a:ext>
+          </a:extLst>
+        </p:spPr>
+      </p:pic>
     </p:spTree>
   </p:cSld>
   <p:clrMapOvr>
     <a:masterClrMapping/>
   </p:clrMapOvr>
+  <p:timing>
+    <p:tnLst>
+      <p:par>
+        <p:cTn id="1" dur="indefinite" restart="never" nodeType="tmRoot">
+          <p:childTnLst>
+            <p:seq concurrent="1" nextAc="seek">
+              <p:cTn id="2" dur="indefinite" nodeType="mainSeq">
+                <p:childTnLst>
+                  <p:par>
+                    <p:cTn id="3" fill="hold" nodeType="clickPar">
+                      <p:stCondLst>
+                        <p:cond delay="indefinite"/>
+                      </p:stCondLst>
+                      <p:childTnLst>
+                        <p:par>
+                          <p:cTn id="4" fill="hold" nodeType="withGroup">
+                            <p:stCondLst>
+                              <p:cond delay="0"/>
+                            </p:stCondLst>
+                            <p:childTnLst>
+                              <p:par>
+                                <p:cTn id="5" presetID="10" presetClass="entr" presetSubtype="0" fill="hold" nodeType="clickEffect">
+                                  <p:stCondLst>
+                                    <p:cond delay="0"/>
+                                  </p:stCondLst>
+                                  <p:childTnLst>
+                                    <p:set>
+                                      <p:cBhvr>
+                                        <p:cTn id="6" dur="1" fill="hold">
+                                          <p:stCondLst>
+                                            <p:cond delay="0"/>
+                                          </p:stCondLst>
+                                        </p:cTn>
+                                        <p:tgtEl>
+                                          <p:spTgt spid="1420291"/>
+                                        </p:tgtEl>
+                                        <p:attrNameLst>
+                                          <p:attrName>style.visibility</p:attrName>
+                                        </p:attrNameLst>
+                                      </p:cBhvr>
+                                      <p:to>
+                                        <p:strVal val="visible"/>
+                                      </p:to>
+                                    </p:set>
+                                    <p:animEffect transition="in" filter="fade">
+                                      <p:cBhvr>
+                                        <p:cTn id="7" dur="500"/>
+                                        <p:tgtEl>
+                                          <p:spTgt spid="1420291"/>
+                                        </p:tgtEl>
+                                      </p:cBhvr>
+                                    </p:animEffect>
+                                  </p:childTnLst>
+                                </p:cTn>
+                              </p:par>
+                            </p:childTnLst>
+                          </p:cTn>
+                        </p:par>
+                      </p:childTnLst>
+                    </p:cTn>
+                  </p:par>
+                </p:childTnLst>
+              </p:cTn>
+              <p:prevCondLst>
+                <p:cond evt="onPrev" delay="0">
+                  <p:tgtEl>
+                    <p:sldTgt/>
+                  </p:tgtEl>
+                </p:cond>
+              </p:prevCondLst>
+              <p:nextCondLst>
+                <p:cond evt="onNext" delay="0">
+                  <p:tgtEl>
+                    <p:sldTgt/>
+                  </p:tgtEl>
+                </p:cond>
+              </p:nextCondLst>
+            </p:seq>
+          </p:childTnLst>
+        </p:cTn>
+      </p:par>
+    </p:tnLst>
+  </p:timing>
 </p:sld>
 </file>
 
